--- a/figures/figures_edit.pptx
+++ b/figures/figures_edit.pptx
@@ -245,7 +245,7 @@
           <a:p>
             <a:fld id="{0D66A20C-8EC0-414D-8F03-C158C942387B}" type="datetimeFigureOut">
               <a:rPr lang="en-US" smtClean="0"/>
-              <a:t>7/24/2015</a:t>
+              <a:t>7/26/2015</a:t>
             </a:fld>
             <a:endParaRPr lang="en-US"/>
           </a:p>
@@ -415,7 +415,7 @@
           <a:p>
             <a:fld id="{0D66A20C-8EC0-414D-8F03-C158C942387B}" type="datetimeFigureOut">
               <a:rPr lang="en-US" smtClean="0"/>
-              <a:t>7/24/2015</a:t>
+              <a:t>7/26/2015</a:t>
             </a:fld>
             <a:endParaRPr lang="en-US"/>
           </a:p>
@@ -595,7 +595,7 @@
           <a:p>
             <a:fld id="{0D66A20C-8EC0-414D-8F03-C158C942387B}" type="datetimeFigureOut">
               <a:rPr lang="en-US" smtClean="0"/>
-              <a:t>7/24/2015</a:t>
+              <a:t>7/26/2015</a:t>
             </a:fld>
             <a:endParaRPr lang="en-US"/>
           </a:p>
@@ -765,7 +765,7 @@
           <a:p>
             <a:fld id="{0D66A20C-8EC0-414D-8F03-C158C942387B}" type="datetimeFigureOut">
               <a:rPr lang="en-US" smtClean="0"/>
-              <a:t>7/24/2015</a:t>
+              <a:t>7/26/2015</a:t>
             </a:fld>
             <a:endParaRPr lang="en-US"/>
           </a:p>
@@ -1011,7 +1011,7 @@
           <a:p>
             <a:fld id="{0D66A20C-8EC0-414D-8F03-C158C942387B}" type="datetimeFigureOut">
               <a:rPr lang="en-US" smtClean="0"/>
-              <a:t>7/24/2015</a:t>
+              <a:t>7/26/2015</a:t>
             </a:fld>
             <a:endParaRPr lang="en-US"/>
           </a:p>
@@ -1243,7 +1243,7 @@
           <a:p>
             <a:fld id="{0D66A20C-8EC0-414D-8F03-C158C942387B}" type="datetimeFigureOut">
               <a:rPr lang="en-US" smtClean="0"/>
-              <a:t>7/24/2015</a:t>
+              <a:t>7/26/2015</a:t>
             </a:fld>
             <a:endParaRPr lang="en-US"/>
           </a:p>
@@ -1610,7 +1610,7 @@
           <a:p>
             <a:fld id="{0D66A20C-8EC0-414D-8F03-C158C942387B}" type="datetimeFigureOut">
               <a:rPr lang="en-US" smtClean="0"/>
-              <a:t>7/24/2015</a:t>
+              <a:t>7/26/2015</a:t>
             </a:fld>
             <a:endParaRPr lang="en-US"/>
           </a:p>
@@ -1728,7 +1728,7 @@
           <a:p>
             <a:fld id="{0D66A20C-8EC0-414D-8F03-C158C942387B}" type="datetimeFigureOut">
               <a:rPr lang="en-US" smtClean="0"/>
-              <a:t>7/24/2015</a:t>
+              <a:t>7/26/2015</a:t>
             </a:fld>
             <a:endParaRPr lang="en-US"/>
           </a:p>
@@ -1823,7 +1823,7 @@
           <a:p>
             <a:fld id="{0D66A20C-8EC0-414D-8F03-C158C942387B}" type="datetimeFigureOut">
               <a:rPr lang="en-US" smtClean="0"/>
-              <a:t>7/24/2015</a:t>
+              <a:t>7/26/2015</a:t>
             </a:fld>
             <a:endParaRPr lang="en-US"/>
           </a:p>
@@ -2100,7 +2100,7 @@
           <a:p>
             <a:fld id="{0D66A20C-8EC0-414D-8F03-C158C942387B}" type="datetimeFigureOut">
               <a:rPr lang="en-US" smtClean="0"/>
-              <a:t>7/24/2015</a:t>
+              <a:t>7/26/2015</a:t>
             </a:fld>
             <a:endParaRPr lang="en-US"/>
           </a:p>
@@ -2353,7 +2353,7 @@
           <a:p>
             <a:fld id="{0D66A20C-8EC0-414D-8F03-C158C942387B}" type="datetimeFigureOut">
               <a:rPr lang="en-US" smtClean="0"/>
-              <a:t>7/24/2015</a:t>
+              <a:t>7/26/2015</a:t>
             </a:fld>
             <a:endParaRPr lang="en-US"/>
           </a:p>
@@ -2566,7 +2566,7 @@
           <a:p>
             <a:fld id="{0D66A20C-8EC0-414D-8F03-C158C942387B}" type="datetimeFigureOut">
               <a:rPr lang="en-US" smtClean="0"/>
-              <a:t>7/24/2015</a:t>
+              <a:t>7/26/2015</a:t>
             </a:fld>
             <a:endParaRPr lang="en-US"/>
           </a:p>
@@ -3111,7 +3111,7 @@
             </p:nvSpPr>
             <p:spPr>
               <a:xfrm>
-                <a:off x="2750870" y="4095467"/>
+                <a:off x="2768127" y="4545542"/>
                 <a:ext cx="457200" cy="457200"/>
               </a:xfrm>
               <a:prstGeom prst="ellipse">
@@ -3212,7 +3212,7 @@
             </p:nvSpPr>
             <p:spPr>
               <a:xfrm>
-                <a:off x="2750870" y="4095467"/>
+                <a:off x="2768127" y="4545542"/>
                 <a:ext cx="457200" cy="457200"/>
               </a:xfrm>
               <a:prstGeom prst="ellipse">
@@ -3245,8 +3245,8 @@
           </p:sp>
         </mc:Fallback>
       </mc:AlternateContent>
-      <mc:AlternateContent xmlns:mc="http://schemas.openxmlformats.org/markup-compatibility/2006">
-        <mc:Choice xmlns:a14="http://schemas.microsoft.com/office/drawing/2010/main" Requires="a14">
+      <mc:AlternateContent xmlns:mc="http://schemas.openxmlformats.org/markup-compatibility/2006" xmlns:a14="http://schemas.microsoft.com/office/drawing/2010/main">
+        <mc:Choice Requires="a14">
           <p:sp>
             <p:nvSpPr>
               <p:cNvPr id="6" name="Oval 5"/>
@@ -3343,7 +3343,7 @@
             </p:txBody>
           </p:sp>
         </mc:Choice>
-        <mc:Fallback>
+        <mc:Fallback xmlns="">
           <p:sp>
             <p:nvSpPr>
               <p:cNvPr id="6" name="Oval 5"/>
@@ -3387,8 +3387,8 @@
           </p:sp>
         </mc:Fallback>
       </mc:AlternateContent>
-      <mc:AlternateContent xmlns:mc="http://schemas.openxmlformats.org/markup-compatibility/2006">
-        <mc:Choice xmlns:a14="http://schemas.microsoft.com/office/drawing/2010/main" Requires="a14">
+      <mc:AlternateContent xmlns:mc="http://schemas.openxmlformats.org/markup-compatibility/2006" xmlns:a14="http://schemas.microsoft.com/office/drawing/2010/main">
+        <mc:Choice Requires="a14">
           <p:sp>
             <p:nvSpPr>
               <p:cNvPr id="7" name="TextBox 6"/>
@@ -3411,6 +3411,7 @@
               </a:bodyPr>
               <a:lstStyle/>
               <a:p>
+                <a:pPr/>
                 <a14:m>
                   <m:oMathPara xmlns:m="http://schemas.openxmlformats.org/officeDocument/2006/math">
                     <m:oMathParaPr>
@@ -3453,7 +3454,7 @@
             </p:txBody>
           </p:sp>
         </mc:Choice>
-        <mc:Fallback>
+        <mc:Fallback xmlns="">
           <p:sp>
             <p:nvSpPr>
               <p:cNvPr id="7" name="TextBox 6"/>
@@ -3492,8 +3493,8 @@
           </p:sp>
         </mc:Fallback>
       </mc:AlternateContent>
-      <mc:AlternateContent xmlns:mc="http://schemas.openxmlformats.org/markup-compatibility/2006">
-        <mc:Choice xmlns:a14="http://schemas.microsoft.com/office/drawing/2010/main" Requires="a14">
+      <mc:AlternateContent xmlns:mc="http://schemas.openxmlformats.org/markup-compatibility/2006" xmlns:a14="http://schemas.microsoft.com/office/drawing/2010/main">
+        <mc:Choice Requires="a14">
           <p:sp>
             <p:nvSpPr>
               <p:cNvPr id="8" name="Oval 7"/>
@@ -3590,7 +3591,7 @@
             </p:txBody>
           </p:sp>
         </mc:Choice>
-        <mc:Fallback>
+        <mc:Fallback xmlns="">
           <p:sp>
             <p:nvSpPr>
               <p:cNvPr id="8" name="Oval 7"/>
@@ -3634,8 +3635,8 @@
           </p:sp>
         </mc:Fallback>
       </mc:AlternateContent>
-      <mc:AlternateContent xmlns:mc="http://schemas.openxmlformats.org/markup-compatibility/2006">
-        <mc:Choice xmlns:a14="http://schemas.microsoft.com/office/drawing/2010/main" Requires="a14">
+      <mc:AlternateContent xmlns:mc="http://schemas.openxmlformats.org/markup-compatibility/2006" xmlns:a14="http://schemas.microsoft.com/office/drawing/2010/main">
+        <mc:Choice Requires="a14">
           <p:sp>
             <p:nvSpPr>
               <p:cNvPr id="9" name="TextBox 8"/>
@@ -3658,6 +3659,7 @@
               </a:bodyPr>
               <a:lstStyle/>
               <a:p>
+                <a:pPr/>
                 <a14:m>
                   <m:oMathPara xmlns:m="http://schemas.openxmlformats.org/officeDocument/2006/math">
                     <m:oMathParaPr>
@@ -3700,7 +3702,7 @@
             </p:txBody>
           </p:sp>
         </mc:Choice>
-        <mc:Fallback>
+        <mc:Fallback xmlns="">
           <p:sp>
             <p:nvSpPr>
               <p:cNvPr id="9" name="TextBox 8"/>
@@ -3749,7 +3751,7 @@
             </p:nvSpPr>
             <p:spPr>
               <a:xfrm>
-                <a:off x="3855770" y="3785862"/>
+                <a:off x="4286414" y="3614989"/>
                 <a:ext cx="457200" cy="457200"/>
               </a:xfrm>
               <a:prstGeom prst="ellipse">
@@ -3860,7 +3862,7 @@
             </p:nvSpPr>
             <p:spPr>
               <a:xfrm>
-                <a:off x="3855770" y="3785862"/>
+                <a:off x="4286414" y="3614989"/>
                 <a:ext cx="457200" cy="457200"/>
               </a:xfrm>
               <a:prstGeom prst="ellipse">
@@ -3903,7 +3905,7 @@
             </p:nvSpPr>
             <p:spPr>
               <a:xfrm>
-                <a:off x="3854963" y="4429330"/>
+                <a:off x="4308149" y="4561770"/>
                 <a:ext cx="457200" cy="457200"/>
               </a:xfrm>
               <a:prstGeom prst="ellipse">
@@ -4014,7 +4016,7 @@
             </p:nvSpPr>
             <p:spPr>
               <a:xfrm>
-                <a:off x="3854963" y="4429330"/>
+                <a:off x="4308149" y="4561770"/>
                 <a:ext cx="457200" cy="457200"/>
               </a:xfrm>
               <a:prstGeom prst="ellipse">
@@ -4023,7 +4025,7 @@
               <a:blipFill rotWithShape="0">
                 <a:blip r:embed="rId8"/>
                 <a:stretch>
-                  <a:fillRect l="-1299"/>
+                  <a:fillRect l="-2597"/>
                 </a:stretch>
               </a:blipFill>
               <a:ln>
@@ -4057,7 +4059,7 @@
             </p:nvSpPr>
             <p:spPr>
               <a:xfrm>
-                <a:off x="4739590" y="3829796"/>
+                <a:off x="5068824" y="3658923"/>
                 <a:ext cx="595740" cy="369332"/>
               </a:xfrm>
               <a:prstGeom prst="rect">
@@ -4071,6 +4073,7 @@
               </a:bodyPr>
               <a:lstStyle/>
               <a:p>
+                <a:pPr/>
                 <a14:m>
                   <m:oMathPara xmlns:m="http://schemas.openxmlformats.org/officeDocument/2006/math">
                     <m:oMathParaPr>
@@ -4145,7 +4148,7 @@
             </p:nvSpPr>
             <p:spPr>
               <a:xfrm>
-                <a:off x="4739590" y="3829796"/>
+                <a:off x="5068824" y="3658923"/>
                 <a:ext cx="595740" cy="369332"/>
               </a:xfrm>
               <a:prstGeom prst="rect">
@@ -4183,7 +4186,7 @@
             </p:nvSpPr>
             <p:spPr>
               <a:xfrm>
-                <a:off x="4711152" y="4471662"/>
+                <a:off x="5063944" y="4603940"/>
                 <a:ext cx="648639" cy="369332"/>
               </a:xfrm>
               <a:prstGeom prst="rect">
@@ -4197,6 +4200,7 @@
               </a:bodyPr>
               <a:lstStyle/>
               <a:p>
+                <a:pPr/>
                 <a14:m>
                   <m:oMathPara xmlns:m="http://schemas.openxmlformats.org/officeDocument/2006/math">
                     <m:oMathParaPr>
@@ -4271,7 +4275,7 @@
             </p:nvSpPr>
             <p:spPr>
               <a:xfrm>
-                <a:off x="4711152" y="4471662"/>
+                <a:off x="5063944" y="4603940"/>
                 <a:ext cx="648639" cy="369332"/>
               </a:xfrm>
               <a:prstGeom prst="rect">
@@ -4299,162 +4303,6 @@
           </p:sp>
         </mc:Fallback>
       </mc:AlternateContent>
-      <mc:AlternateContent xmlns:mc="http://schemas.openxmlformats.org/markup-compatibility/2006">
-        <mc:Choice xmlns:a14="http://schemas.microsoft.com/office/drawing/2010/main" Requires="a14">
-          <p:sp>
-            <p:nvSpPr>
-              <p:cNvPr id="16" name="Oval 15"/>
-              <p:cNvSpPr/>
-              <p:nvPr/>
-            </p:nvSpPr>
-            <p:spPr>
-              <a:xfrm>
-                <a:off x="2750870" y="4842934"/>
-                <a:ext cx="457200" cy="457200"/>
-              </a:xfrm>
-              <a:prstGeom prst="ellipse">
-                <a:avLst/>
-              </a:prstGeom>
-              <a:solidFill>
-                <a:srgbClr val="000000">
-                  <a:alpha val="30196"/>
-                </a:srgbClr>
-              </a:solidFill>
-              <a:ln>
-                <a:solidFill>
-                  <a:schemeClr val="tx1"/>
-                </a:solidFill>
-              </a:ln>
-            </p:spPr>
-            <p:style>
-              <a:lnRef idx="2">
-                <a:schemeClr val="accent1">
-                  <a:shade val="50000"/>
-                </a:schemeClr>
-              </a:lnRef>
-              <a:fillRef idx="1">
-                <a:schemeClr val="accent1"/>
-              </a:fillRef>
-              <a:effectRef idx="0">
-                <a:schemeClr val="accent1"/>
-              </a:effectRef>
-              <a:fontRef idx="minor">
-                <a:schemeClr val="lt1"/>
-              </a:fontRef>
-            </p:style>
-            <p:txBody>
-              <a:bodyPr rtlCol="0" anchor="ctr"/>
-              <a:lstStyle/>
-              <a:p>
-                <a:pPr algn="ctr"/>
-                <a14:m>
-                  <m:oMathPara xmlns:m="http://schemas.openxmlformats.org/officeDocument/2006/math">
-                    <m:oMathParaPr>
-                      <m:jc m:val="centerGroup"/>
-                    </m:oMathParaPr>
-                    <m:oMath xmlns:m="http://schemas.openxmlformats.org/officeDocument/2006/math">
-                      <m:sSubSup>
-                        <m:sSubSupPr>
-                          <m:ctrlPr>
-                            <a:rPr lang="en-US" i="1" smtClean="0">
-                              <a:solidFill>
-                                <a:schemeClr val="tx1"/>
-                              </a:solidFill>
-                              <a:latin typeface="Cambria Math" panose="02040503050406030204" pitchFamily="18" charset="0"/>
-                            </a:rPr>
-                          </m:ctrlPr>
-                        </m:sSubSupPr>
-                        <m:e>
-                          <m:r>
-                            <a:rPr lang="en-US" b="0" i="1" smtClean="0">
-                              <a:solidFill>
-                                <a:schemeClr val="tx1"/>
-                              </a:solidFill>
-                              <a:latin typeface="Cambria Math" panose="02040503050406030204" pitchFamily="18" charset="0"/>
-                              <a:ea typeface="Cambria Math" panose="02040503050406030204" pitchFamily="18" charset="0"/>
-                            </a:rPr>
-                            <m:t>𝑅</m:t>
-                          </m:r>
-                        </m:e>
-                        <m:sub>
-                          <m:r>
-                            <a:rPr lang="en-US" b="0" i="1" smtClean="0">
-                              <a:solidFill>
-                                <a:schemeClr val="tx1"/>
-                              </a:solidFill>
-                              <a:latin typeface="Cambria Math" panose="02040503050406030204" pitchFamily="18" charset="0"/>
-                            </a:rPr>
-                            <m:t>𝑖𝑗</m:t>
-                          </m:r>
-                        </m:sub>
-                        <m:sup>
-                          <m:r>
-                            <a:rPr lang="en-US" b="0" i="1" smtClean="0">
-                              <a:solidFill>
-                                <a:schemeClr val="tx1"/>
-                              </a:solidFill>
-                              <a:latin typeface="Cambria Math" panose="02040503050406030204" pitchFamily="18" charset="0"/>
-                            </a:rPr>
-                            <m:t>𝑎</m:t>
-                          </m:r>
-                        </m:sup>
-                      </m:sSubSup>
-                    </m:oMath>
-                  </m:oMathPara>
-                </a14:m>
-                <a:endParaRPr lang="en-US" dirty="0">
-                  <a:solidFill>
-                    <a:schemeClr val="tx1"/>
-                  </a:solidFill>
-                </a:endParaRPr>
-              </a:p>
-            </p:txBody>
-          </p:sp>
-        </mc:Choice>
-        <mc:Fallback>
-          <p:sp>
-            <p:nvSpPr>
-              <p:cNvPr id="16" name="Oval 15"/>
-              <p:cNvSpPr>
-                <a:spLocks noRot="1" noChangeAspect="1" noMove="1" noResize="1" noEditPoints="1" noAdjustHandles="1" noChangeArrowheads="1" noChangeShapeType="1" noTextEdit="1"/>
-              </p:cNvSpPr>
-              <p:nvPr/>
-            </p:nvSpPr>
-            <p:spPr>
-              <a:xfrm>
-                <a:off x="2750870" y="4842934"/>
-                <a:ext cx="457200" cy="457200"/>
-              </a:xfrm>
-              <a:prstGeom prst="ellipse">
-                <a:avLst/>
-              </a:prstGeom>
-              <a:blipFill rotWithShape="0">
-                <a:blip r:embed="rId11"/>
-                <a:stretch>
-                  <a:fillRect l="-3896" b="-1299"/>
-                </a:stretch>
-              </a:blipFill>
-              <a:ln>
-                <a:solidFill>
-                  <a:schemeClr val="tx1"/>
-                </a:solidFill>
-              </a:ln>
-            </p:spPr>
-            <p:txBody>
-              <a:bodyPr/>
-              <a:lstStyle/>
-              <a:p>
-                <a:r>
-                  <a:rPr lang="en-US">
-                    <a:noFill/>
-                  </a:rPr>
-                  <a:t> </a:t>
-                </a:r>
-              </a:p>
-            </p:txBody>
-          </p:sp>
-        </mc:Fallback>
-      </mc:AlternateContent>
       <p:sp>
         <p:nvSpPr>
           <p:cNvPr id="17" name="Rectangle 16"/>
@@ -4540,7 +4388,7 @@
         <p:spPr>
           <a:xfrm>
             <a:off x="2661970" y="3091934"/>
-            <a:ext cx="1935430" cy="2252133"/>
+            <a:ext cx="2176730" cy="2252133"/>
           </a:xfrm>
           <a:prstGeom prst="rect">
             <a:avLst/>
@@ -4585,7 +4433,7 @@
         </p:nvSpPr>
         <p:spPr>
           <a:xfrm>
-            <a:off x="3717630" y="5017534"/>
+            <a:off x="3916810" y="5016920"/>
             <a:ext cx="941283" cy="369332"/>
           </a:xfrm>
           <a:prstGeom prst="rect">
@@ -4662,7 +4510,7 @@
         <p:spPr>
           <a:xfrm>
             <a:off x="2457647" y="4013978"/>
-            <a:ext cx="360178" cy="148444"/>
+            <a:ext cx="377435" cy="598519"/>
           </a:xfrm>
           <a:prstGeom prst="straightConnector1">
             <a:avLst/>
@@ -4700,8 +4548,8 @@
         </p:nvCxnSpPr>
         <p:spPr>
           <a:xfrm flipH="1">
-            <a:off x="3141115" y="3649911"/>
-            <a:ext cx="404844" cy="512511"/>
+            <a:off x="3158372" y="3649911"/>
+            <a:ext cx="387587" cy="962586"/>
           </a:xfrm>
           <a:prstGeom prst="straightConnector1">
             <a:avLst/>
@@ -4739,8 +4587,8 @@
         </p:nvCxnSpPr>
         <p:spPr>
           <a:xfrm flipH="1">
-            <a:off x="3208070" y="4014462"/>
-            <a:ext cx="647700" cy="309605"/>
+            <a:off x="3225327" y="3843589"/>
+            <a:ext cx="1061087" cy="930553"/>
           </a:xfrm>
           <a:prstGeom prst="straightConnector1">
             <a:avLst/>
@@ -4778,47 +4626,8 @@
         </p:nvCxnSpPr>
         <p:spPr>
           <a:xfrm flipH="1" flipV="1">
-            <a:off x="3208070" y="4324067"/>
-            <a:ext cx="646893" cy="333863"/>
-          </a:xfrm>
-          <a:prstGeom prst="straightConnector1">
-            <a:avLst/>
-          </a:prstGeom>
-          <a:ln w="12700">
-            <a:solidFill>
-              <a:srgbClr val="000000"/>
-            </a:solidFill>
-            <a:tailEnd type="triangle"/>
-          </a:ln>
-        </p:spPr>
-        <p:style>
-          <a:lnRef idx="1">
-            <a:schemeClr val="accent1"/>
-          </a:lnRef>
-          <a:fillRef idx="0">
-            <a:schemeClr val="accent1"/>
-          </a:fillRef>
-          <a:effectRef idx="0">
-            <a:schemeClr val="accent1"/>
-          </a:effectRef>
-          <a:fontRef idx="minor">
-            <a:schemeClr val="tx1"/>
-          </a:fontRef>
-        </p:style>
-      </p:cxnSp>
-      <p:cxnSp>
-        <p:nvCxnSpPr>
-          <p:cNvPr id="32" name="Straight Arrow Connector 31"/>
-          <p:cNvCxnSpPr>
-            <a:stCxn id="16" idx="0"/>
-            <a:endCxn id="4" idx="4"/>
-          </p:cNvCxnSpPr>
-          <p:nvPr/>
-        </p:nvCxnSpPr>
-        <p:spPr>
-          <a:xfrm flipV="1">
-            <a:off x="2979470" y="4552667"/>
-            <a:ext cx="0" cy="290267"/>
+            <a:off x="3225327" y="4774142"/>
+            <a:ext cx="1082822" cy="16228"/>
           </a:xfrm>
           <a:prstGeom prst="straightConnector1">
             <a:avLst/>
@@ -4895,8 +4704,8 @@
         </p:nvCxnSpPr>
         <p:spPr>
           <a:xfrm flipH="1">
-            <a:off x="4312970" y="4014462"/>
-            <a:ext cx="426620" cy="0"/>
+            <a:off x="4743614" y="3843589"/>
+            <a:ext cx="325210" cy="0"/>
           </a:xfrm>
           <a:prstGeom prst="straightConnector1">
             <a:avLst/>
@@ -4934,8 +4743,8 @@
         </p:nvCxnSpPr>
         <p:spPr>
           <a:xfrm flipH="1">
-            <a:off x="4312163" y="4656328"/>
-            <a:ext cx="398989" cy="1602"/>
+            <a:off x="4765349" y="4788606"/>
+            <a:ext cx="298595" cy="1764"/>
           </a:xfrm>
           <a:prstGeom prst="straightConnector1">
             <a:avLst/>
@@ -4962,8 +4771,8 @@
           </a:fontRef>
         </p:style>
       </p:cxnSp>
-      <mc:AlternateContent xmlns:mc="http://schemas.openxmlformats.org/markup-compatibility/2006">
-        <mc:Choice xmlns:a14="http://schemas.microsoft.com/office/drawing/2010/main" Requires="a14">
+      <mc:AlternateContent xmlns:mc="http://schemas.openxmlformats.org/markup-compatibility/2006" xmlns:a14="http://schemas.microsoft.com/office/drawing/2010/main">
+        <mc:Choice Requires="a14">
           <p:sp>
             <p:nvSpPr>
               <p:cNvPr id="42" name="Oval 41"/>
@@ -5061,7 +4870,7 @@
             </p:txBody>
           </p:sp>
         </mc:Choice>
-        <mc:Fallback>
+        <mc:Fallback xmlns="">
           <p:sp>
             <p:nvSpPr>
               <p:cNvPr id="42" name="Oval 41"/>
@@ -5105,8 +4914,8 @@
           </p:sp>
         </mc:Fallback>
       </mc:AlternateContent>
-      <mc:AlternateContent xmlns:mc="http://schemas.openxmlformats.org/markup-compatibility/2006">
-        <mc:Choice xmlns:a14="http://schemas.microsoft.com/office/drawing/2010/main" Requires="a14">
+      <mc:AlternateContent xmlns:mc="http://schemas.openxmlformats.org/markup-compatibility/2006" xmlns:a14="http://schemas.microsoft.com/office/drawing/2010/main">
+        <mc:Choice Requires="a14">
           <p:sp>
             <p:nvSpPr>
               <p:cNvPr id="45" name="TextBox 44"/>
@@ -5129,6 +4938,7 @@
               </a:bodyPr>
               <a:lstStyle/>
               <a:p>
+                <a:pPr/>
                 <a14:m>
                   <m:oMathPara xmlns:m="http://schemas.openxmlformats.org/officeDocument/2006/math">
                     <m:oMathParaPr>
@@ -5171,7 +4981,7 @@
             </p:txBody>
           </p:sp>
         </mc:Choice>
-        <mc:Fallback>
+        <mc:Fallback xmlns="">
           <p:sp>
             <p:nvSpPr>
               <p:cNvPr id="45" name="TextBox 44"/>
@@ -5259,9 +5069,9 @@
           <p:nvPr/>
         </p:nvCxnSpPr>
         <p:spPr>
-          <a:xfrm flipV="1">
-            <a:off x="2363520" y="4324067"/>
-            <a:ext cx="387350" cy="341991"/>
+          <a:xfrm>
+            <a:off x="2363520" y="4666058"/>
+            <a:ext cx="404607" cy="108084"/>
           </a:xfrm>
           <a:prstGeom prst="straightConnector1">
             <a:avLst/>
@@ -5288,6 +5098,264 @@
           </a:fontRef>
         </p:style>
       </p:cxnSp>
+      <mc:AlternateContent xmlns:mc="http://schemas.openxmlformats.org/markup-compatibility/2006">
+        <mc:Choice xmlns:a14="http://schemas.microsoft.com/office/drawing/2010/main" Requires="a14">
+          <p:sp>
+            <p:nvSpPr>
+              <p:cNvPr id="43" name="Rectangle 42"/>
+              <p:cNvSpPr/>
+              <p:nvPr/>
+            </p:nvSpPr>
+            <p:spPr>
+              <a:xfrm>
+                <a:off x="3612914" y="3990556"/>
+                <a:ext cx="654683" cy="281295"/>
+              </a:xfrm>
+              <a:prstGeom prst="rect">
+                <a:avLst/>
+              </a:prstGeom>
+              <a:solidFill>
+                <a:srgbClr val="BFBFBF"/>
+              </a:solidFill>
+              <a:ln>
+                <a:solidFill>
+                  <a:srgbClr val="000000"/>
+                </a:solidFill>
+              </a:ln>
+            </p:spPr>
+            <p:txBody>
+              <a:bodyPr wrap="square">
+                <a:spAutoFit/>
+              </a:bodyPr>
+              <a:lstStyle/>
+              <a:p>
+                <a:pPr algn="ctr"/>
+                <a:r>
+                  <a:rPr lang="en-US" sz="1100" dirty="0" smtClean="0"/>
+                  <a:t>If </a:t>
+                </a:r>
+                <a14:m>
+                  <m:oMath xmlns:m="http://schemas.openxmlformats.org/officeDocument/2006/math">
+                    <m:sSubSup>
+                      <m:sSubSupPr>
+                        <m:ctrlPr>
+                          <a:rPr lang="en-US" sz="1100" i="1">
+                            <a:latin typeface="Cambria Math" panose="02040503050406030204" pitchFamily="18" charset="0"/>
+                          </a:rPr>
+                        </m:ctrlPr>
+                      </m:sSubSupPr>
+                      <m:e>
+                        <m:r>
+                          <a:rPr lang="en-US" sz="1100" i="1">
+                            <a:latin typeface="Cambria Math" panose="02040503050406030204" pitchFamily="18" charset="0"/>
+                            <a:ea typeface="Cambria Math" panose="02040503050406030204" pitchFamily="18" charset="0"/>
+                          </a:rPr>
+                          <m:t>𝑅</m:t>
+                        </m:r>
+                      </m:e>
+                      <m:sub>
+                        <m:r>
+                          <a:rPr lang="en-US" sz="1100" i="1">
+                            <a:latin typeface="Cambria Math" panose="02040503050406030204" pitchFamily="18" charset="0"/>
+                          </a:rPr>
+                          <m:t>𝑖𝑗</m:t>
+                        </m:r>
+                      </m:sub>
+                      <m:sup>
+                        <m:r>
+                          <a:rPr lang="en-US" sz="1100" i="1">
+                            <a:latin typeface="Cambria Math" panose="02040503050406030204" pitchFamily="18" charset="0"/>
+                          </a:rPr>
+                          <m:t>𝑎</m:t>
+                        </m:r>
+                      </m:sup>
+                    </m:sSubSup>
+                  </m:oMath>
+                </a14:m>
+                <a:r>
+                  <a:rPr lang="en-US" sz="1100" dirty="0" smtClean="0"/>
+                  <a:t>=</a:t>
+                </a:r>
+                <a:r>
+                  <a:rPr lang="en-US" sz="1100" dirty="0"/>
+                  <a:t>1</a:t>
+                </a:r>
+                <a:endParaRPr lang="en-US" sz="1100" dirty="0"/>
+              </a:p>
+            </p:txBody>
+          </p:sp>
+        </mc:Choice>
+        <mc:Fallback>
+          <p:sp>
+            <p:nvSpPr>
+              <p:cNvPr id="43" name="Rectangle 42"/>
+              <p:cNvSpPr>
+                <a:spLocks noRot="1" noChangeAspect="1" noMove="1" noResize="1" noEditPoints="1" noAdjustHandles="1" noChangeArrowheads="1" noChangeShapeType="1" noTextEdit="1"/>
+              </p:cNvSpPr>
+              <p:nvPr/>
+            </p:nvSpPr>
+            <p:spPr>
+              <a:xfrm>
+                <a:off x="3612914" y="3990556"/>
+                <a:ext cx="654683" cy="281295"/>
+              </a:xfrm>
+              <a:prstGeom prst="rect">
+                <a:avLst/>
+              </a:prstGeom>
+              <a:blipFill rotWithShape="0">
+                <a:blip r:embed="rId14"/>
+                <a:stretch>
+                  <a:fillRect b="-6250"/>
+                </a:stretch>
+              </a:blipFill>
+              <a:ln>
+                <a:solidFill>
+                  <a:srgbClr val="000000"/>
+                </a:solidFill>
+              </a:ln>
+            </p:spPr>
+            <p:txBody>
+              <a:bodyPr/>
+              <a:lstStyle/>
+              <a:p>
+                <a:r>
+                  <a:rPr lang="en-US">
+                    <a:noFill/>
+                  </a:rPr>
+                  <a:t> </a:t>
+                </a:r>
+              </a:p>
+            </p:txBody>
+          </p:sp>
+        </mc:Fallback>
+      </mc:AlternateContent>
+      <mc:AlternateContent xmlns:mc="http://schemas.openxmlformats.org/markup-compatibility/2006">
+        <mc:Choice xmlns:a14="http://schemas.microsoft.com/office/drawing/2010/main" Requires="a14">
+          <p:sp>
+            <p:nvSpPr>
+              <p:cNvPr id="48" name="Rectangle 47"/>
+              <p:cNvSpPr/>
+              <p:nvPr/>
+            </p:nvSpPr>
+            <p:spPr>
+              <a:xfrm>
+                <a:off x="3530604" y="4647958"/>
+                <a:ext cx="654683" cy="281295"/>
+              </a:xfrm>
+              <a:prstGeom prst="rect">
+                <a:avLst/>
+              </a:prstGeom>
+              <a:solidFill>
+                <a:srgbClr val="BFBFBF"/>
+              </a:solidFill>
+              <a:ln>
+                <a:solidFill>
+                  <a:srgbClr val="000000"/>
+                </a:solidFill>
+              </a:ln>
+            </p:spPr>
+            <p:txBody>
+              <a:bodyPr wrap="square">
+                <a:spAutoFit/>
+              </a:bodyPr>
+              <a:lstStyle/>
+              <a:p>
+                <a:pPr algn="ctr"/>
+                <a:r>
+                  <a:rPr lang="en-US" sz="1100" dirty="0" smtClean="0"/>
+                  <a:t>If </a:t>
+                </a:r>
+                <a14:m>
+                  <m:oMath xmlns:m="http://schemas.openxmlformats.org/officeDocument/2006/math">
+                    <m:sSubSup>
+                      <m:sSubSupPr>
+                        <m:ctrlPr>
+                          <a:rPr lang="en-US" sz="1100" i="1">
+                            <a:latin typeface="Cambria Math" panose="02040503050406030204" pitchFamily="18" charset="0"/>
+                          </a:rPr>
+                        </m:ctrlPr>
+                      </m:sSubSupPr>
+                      <m:e>
+                        <m:r>
+                          <a:rPr lang="en-US" sz="1100" i="1">
+                            <a:latin typeface="Cambria Math" panose="02040503050406030204" pitchFamily="18" charset="0"/>
+                            <a:ea typeface="Cambria Math" panose="02040503050406030204" pitchFamily="18" charset="0"/>
+                          </a:rPr>
+                          <m:t>𝑅</m:t>
+                        </m:r>
+                      </m:e>
+                      <m:sub>
+                        <m:r>
+                          <a:rPr lang="en-US" sz="1100" i="1">
+                            <a:latin typeface="Cambria Math" panose="02040503050406030204" pitchFamily="18" charset="0"/>
+                          </a:rPr>
+                          <m:t>𝑖𝑗</m:t>
+                        </m:r>
+                      </m:sub>
+                      <m:sup>
+                        <m:r>
+                          <a:rPr lang="en-US" sz="1100" i="1">
+                            <a:latin typeface="Cambria Math" panose="02040503050406030204" pitchFamily="18" charset="0"/>
+                          </a:rPr>
+                          <m:t>𝑎</m:t>
+                        </m:r>
+                      </m:sup>
+                    </m:sSubSup>
+                  </m:oMath>
+                </a14:m>
+                <a:r>
+                  <a:rPr lang="en-US" sz="1100" dirty="0" smtClean="0"/>
+                  <a:t>=0</a:t>
+                </a:r>
+                <a:endParaRPr lang="en-US" sz="1100" dirty="0"/>
+              </a:p>
+            </p:txBody>
+          </p:sp>
+        </mc:Choice>
+        <mc:Fallback>
+          <p:sp>
+            <p:nvSpPr>
+              <p:cNvPr id="48" name="Rectangle 47"/>
+              <p:cNvSpPr>
+                <a:spLocks noRot="1" noChangeAspect="1" noMove="1" noResize="1" noEditPoints="1" noAdjustHandles="1" noChangeArrowheads="1" noChangeShapeType="1" noTextEdit="1"/>
+              </p:cNvSpPr>
+              <p:nvPr/>
+            </p:nvSpPr>
+            <p:spPr>
+              <a:xfrm>
+                <a:off x="3530604" y="4647958"/>
+                <a:ext cx="654683" cy="281295"/>
+              </a:xfrm>
+              <a:prstGeom prst="rect">
+                <a:avLst/>
+              </a:prstGeom>
+              <a:blipFill rotWithShape="0">
+                <a:blip r:embed="rId15"/>
+                <a:stretch>
+                  <a:fillRect b="-4082"/>
+                </a:stretch>
+              </a:blipFill>
+              <a:ln>
+                <a:solidFill>
+                  <a:srgbClr val="000000"/>
+                </a:solidFill>
+              </a:ln>
+            </p:spPr>
+            <p:txBody>
+              <a:bodyPr/>
+              <a:lstStyle/>
+              <a:p>
+                <a:r>
+                  <a:rPr lang="en-US">
+                    <a:noFill/>
+                  </a:rPr>
+                  <a:t> </a:t>
+                </a:r>
+              </a:p>
+            </p:txBody>
+          </p:sp>
+        </mc:Fallback>
+      </mc:AlternateContent>
     </p:spTree>
     <p:extLst>
       <p:ext uri="{BB962C8B-B14F-4D97-AF65-F5344CB8AC3E}">
@@ -5697,8 +5765,8 @@
           </a:p>
         </p:txBody>
       </p:sp>
-      <mc:AlternateContent xmlns:mc="http://schemas.openxmlformats.org/markup-compatibility/2006">
-        <mc:Choice xmlns:a14="http://schemas.microsoft.com/office/drawing/2010/main" Requires="a14">
+      <mc:AlternateContent xmlns:mc="http://schemas.openxmlformats.org/markup-compatibility/2006" xmlns:a14="http://schemas.microsoft.com/office/drawing/2010/main">
+        <mc:Choice Requires="a14">
           <p:sp>
             <p:nvSpPr>
               <p:cNvPr id="56" name="TextBox 55"/>
@@ -5767,7 +5835,7 @@
             </p:txBody>
           </p:sp>
         </mc:Choice>
-        <mc:Fallback>
+        <mc:Fallback xmlns="">
           <p:sp>
             <p:nvSpPr>
               <p:cNvPr id="56" name="TextBox 55"/>
@@ -5875,8 +5943,8 @@
           </a:fontRef>
         </p:style>
       </p:cxnSp>
-      <mc:AlternateContent xmlns:mc="http://schemas.openxmlformats.org/markup-compatibility/2006">
-        <mc:Choice xmlns:a14="http://schemas.microsoft.com/office/drawing/2010/main" Requires="a14">
+      <mc:AlternateContent xmlns:mc="http://schemas.openxmlformats.org/markup-compatibility/2006" xmlns:a14="http://schemas.microsoft.com/office/drawing/2010/main">
+        <mc:Choice Requires="a14">
           <p:sp>
             <p:nvSpPr>
               <p:cNvPr id="59" name="TextBox 58"/>
@@ -5947,7 +6015,7 @@
             </p:txBody>
           </p:sp>
         </mc:Choice>
-        <mc:Fallback>
+        <mc:Fallback xmlns="">
           <p:sp>
             <p:nvSpPr>
               <p:cNvPr id="59" name="TextBox 58"/>
@@ -6172,8 +6240,8 @@
           </a:p>
         </p:txBody>
       </p:sp>
-      <mc:AlternateContent xmlns:mc="http://schemas.openxmlformats.org/markup-compatibility/2006">
-        <mc:Choice xmlns:a14="http://schemas.microsoft.com/office/drawing/2010/main" Requires="a14">
+      <mc:AlternateContent xmlns:mc="http://schemas.openxmlformats.org/markup-compatibility/2006" xmlns:a14="http://schemas.microsoft.com/office/drawing/2010/main">
+        <mc:Choice Requires="a14">
           <p:sp>
             <p:nvSpPr>
               <p:cNvPr id="68" name="TextBox 67"/>
@@ -6242,7 +6310,7 @@
             </p:txBody>
           </p:sp>
         </mc:Choice>
-        <mc:Fallback>
+        <mc:Fallback xmlns="">
           <p:sp>
             <p:nvSpPr>
               <p:cNvPr id="68" name="TextBox 67"/>
@@ -6316,8 +6384,8 @@
           </a:fontRef>
         </p:style>
       </p:cxnSp>
-      <mc:AlternateContent xmlns:mc="http://schemas.openxmlformats.org/markup-compatibility/2006">
-        <mc:Choice xmlns:a14="http://schemas.microsoft.com/office/drawing/2010/main" Requires="a14">
+      <mc:AlternateContent xmlns:mc="http://schemas.openxmlformats.org/markup-compatibility/2006" xmlns:a14="http://schemas.microsoft.com/office/drawing/2010/main">
+        <mc:Choice Requires="a14">
           <p:sp>
             <p:nvSpPr>
               <p:cNvPr id="70" name="TextBox 69"/>
@@ -6386,7 +6454,7 @@
             </p:txBody>
           </p:sp>
         </mc:Choice>
-        <mc:Fallback>
+        <mc:Fallback xmlns="">
           <p:sp>
             <p:nvSpPr>
               <p:cNvPr id="70" name="TextBox 69"/>
@@ -6543,8 +6611,8 @@
           </a:fontRef>
         </p:style>
       </p:cxnSp>
-      <mc:AlternateContent xmlns:mc="http://schemas.openxmlformats.org/markup-compatibility/2006">
-        <mc:Choice xmlns:a14="http://schemas.microsoft.com/office/drawing/2010/main" Requires="a14">
+      <mc:AlternateContent xmlns:mc="http://schemas.openxmlformats.org/markup-compatibility/2006" xmlns:a14="http://schemas.microsoft.com/office/drawing/2010/main">
+        <mc:Choice Requires="a14">
           <p:sp>
             <p:nvSpPr>
               <p:cNvPr id="78" name="TextBox 77"/>
@@ -6613,7 +6681,7 @@
             </p:txBody>
           </p:sp>
         </mc:Choice>
-        <mc:Fallback>
+        <mc:Fallback xmlns="">
           <p:sp>
             <p:nvSpPr>
               <p:cNvPr id="78" name="TextBox 77"/>
@@ -6687,8 +6755,8 @@
           </a:fontRef>
         </p:style>
       </p:cxnSp>
-      <mc:AlternateContent xmlns:mc="http://schemas.openxmlformats.org/markup-compatibility/2006">
-        <mc:Choice xmlns:a14="http://schemas.microsoft.com/office/drawing/2010/main" Requires="a14">
+      <mc:AlternateContent xmlns:mc="http://schemas.openxmlformats.org/markup-compatibility/2006" xmlns:a14="http://schemas.microsoft.com/office/drawing/2010/main">
+        <mc:Choice Requires="a14">
           <p:sp>
             <p:nvSpPr>
               <p:cNvPr id="80" name="TextBox 79"/>
@@ -6759,7 +6827,7 @@
             </p:txBody>
           </p:sp>
         </mc:Choice>
-        <mc:Fallback>
+        <mc:Fallback xmlns="">
           <p:sp>
             <p:nvSpPr>
               <p:cNvPr id="80" name="TextBox 79"/>
@@ -6916,8 +6984,8 @@
           </a:fontRef>
         </p:style>
       </p:cxnSp>
-      <mc:AlternateContent xmlns:mc="http://schemas.openxmlformats.org/markup-compatibility/2006">
-        <mc:Choice xmlns:a14="http://schemas.microsoft.com/office/drawing/2010/main" Requires="a14">
+      <mc:AlternateContent xmlns:mc="http://schemas.openxmlformats.org/markup-compatibility/2006" xmlns:a14="http://schemas.microsoft.com/office/drawing/2010/main">
+        <mc:Choice Requires="a14">
           <p:sp>
             <p:nvSpPr>
               <p:cNvPr id="90" name="TextBox 89"/>
@@ -6986,7 +7054,7 @@
             </p:txBody>
           </p:sp>
         </mc:Choice>
-        <mc:Fallback>
+        <mc:Fallback xmlns="">
           <p:sp>
             <p:nvSpPr>
               <p:cNvPr id="90" name="TextBox 89"/>
@@ -7060,8 +7128,8 @@
           </a:fontRef>
         </p:style>
       </p:cxnSp>
-      <mc:AlternateContent xmlns:mc="http://schemas.openxmlformats.org/markup-compatibility/2006">
-        <mc:Choice xmlns:a14="http://schemas.microsoft.com/office/drawing/2010/main" Requires="a14">
+      <mc:AlternateContent xmlns:mc="http://schemas.openxmlformats.org/markup-compatibility/2006" xmlns:a14="http://schemas.microsoft.com/office/drawing/2010/main">
+        <mc:Choice Requires="a14">
           <p:sp>
             <p:nvSpPr>
               <p:cNvPr id="92" name="TextBox 91"/>
@@ -7130,7 +7198,7 @@
             </p:txBody>
           </p:sp>
         </mc:Choice>
-        <mc:Fallback>
+        <mc:Fallback xmlns="">
           <p:sp>
             <p:nvSpPr>
               <p:cNvPr id="92" name="TextBox 91"/>
@@ -7300,11 +7368,11 @@
           <a:lstStyle/>
           <a:p>
             <a:r>
-              <a:rPr lang="en-US" sz="3600"/>
+              <a:rPr lang="en-US" sz="3600" dirty="0" err="1"/>
               <a:t>Y</a:t>
             </a:r>
             <a:r>
-              <a:rPr lang="en-US" sz="2400" smtClean="0"/>
+              <a:rPr lang="en-US" sz="2400" dirty="0" err="1" smtClean="0"/>
               <a:t>ij</a:t>
             </a:r>
             <a:endParaRPr lang="en-US" sz="2400" dirty="0"/>
@@ -7641,8 +7709,8 @@
           </a:p>
         </p:txBody>
       </p:sp>
-      <mc:AlternateContent xmlns:mc="http://schemas.openxmlformats.org/markup-compatibility/2006">
-        <mc:Choice xmlns:a14="http://schemas.microsoft.com/office/drawing/2010/main" Requires="a14">
+      <mc:AlternateContent xmlns:mc="http://schemas.openxmlformats.org/markup-compatibility/2006" xmlns:a14="http://schemas.microsoft.com/office/drawing/2010/main">
+        <mc:Choice Requires="a14">
           <p:sp>
             <p:nvSpPr>
               <p:cNvPr id="118" name="TextBox 117"/>
@@ -7713,7 +7781,7 @@
             </p:txBody>
           </p:sp>
         </mc:Choice>
-        <mc:Fallback>
+        <mc:Fallback xmlns="">
           <p:sp>
             <p:nvSpPr>
               <p:cNvPr id="118" name="TextBox 117"/>
@@ -7821,8 +7889,8 @@
           </a:fontRef>
         </p:style>
       </p:cxnSp>
-      <mc:AlternateContent xmlns:mc="http://schemas.openxmlformats.org/markup-compatibility/2006">
-        <mc:Choice xmlns:a14="http://schemas.microsoft.com/office/drawing/2010/main" Requires="a14">
+      <mc:AlternateContent xmlns:mc="http://schemas.openxmlformats.org/markup-compatibility/2006" xmlns:a14="http://schemas.microsoft.com/office/drawing/2010/main">
+        <mc:Choice Requires="a14">
           <p:sp>
             <p:nvSpPr>
               <p:cNvPr id="127" name="TextBox 126"/>
@@ -7893,7 +7961,7 @@
             </p:txBody>
           </p:sp>
         </mc:Choice>
-        <mc:Fallback>
+        <mc:Fallback xmlns="">
           <p:sp>
             <p:nvSpPr>
               <p:cNvPr id="127" name="TextBox 126"/>

--- a/figures/figures_edit.pptx
+++ b/figures/figures_edit.pptx
@@ -8,6 +8,9 @@
     <p:sldId id="256" r:id="rId2"/>
     <p:sldId id="257" r:id="rId3"/>
     <p:sldId id="258" r:id="rId4"/>
+    <p:sldId id="259" r:id="rId5"/>
+    <p:sldId id="260" r:id="rId6"/>
+    <p:sldId id="261" r:id="rId7"/>
   </p:sldIdLst>
   <p:sldSz cx="12192000" cy="6858000"/>
   <p:notesSz cx="6858000" cy="9144000"/>
@@ -245,7 +248,7 @@
           <a:p>
             <a:fld id="{0D66A20C-8EC0-414D-8F03-C158C942387B}" type="datetimeFigureOut">
               <a:rPr lang="en-US" smtClean="0"/>
-              <a:t>7/26/2015</a:t>
+              <a:t>7/28/2015</a:t>
             </a:fld>
             <a:endParaRPr lang="en-US"/>
           </a:p>
@@ -415,7 +418,7 @@
           <a:p>
             <a:fld id="{0D66A20C-8EC0-414D-8F03-C158C942387B}" type="datetimeFigureOut">
               <a:rPr lang="en-US" smtClean="0"/>
-              <a:t>7/26/2015</a:t>
+              <a:t>7/28/2015</a:t>
             </a:fld>
             <a:endParaRPr lang="en-US"/>
           </a:p>
@@ -595,7 +598,7 @@
           <a:p>
             <a:fld id="{0D66A20C-8EC0-414D-8F03-C158C942387B}" type="datetimeFigureOut">
               <a:rPr lang="en-US" smtClean="0"/>
-              <a:t>7/26/2015</a:t>
+              <a:t>7/28/2015</a:t>
             </a:fld>
             <a:endParaRPr lang="en-US"/>
           </a:p>
@@ -765,7 +768,7 @@
           <a:p>
             <a:fld id="{0D66A20C-8EC0-414D-8F03-C158C942387B}" type="datetimeFigureOut">
               <a:rPr lang="en-US" smtClean="0"/>
-              <a:t>7/26/2015</a:t>
+              <a:t>7/28/2015</a:t>
             </a:fld>
             <a:endParaRPr lang="en-US"/>
           </a:p>
@@ -1011,7 +1014,7 @@
           <a:p>
             <a:fld id="{0D66A20C-8EC0-414D-8F03-C158C942387B}" type="datetimeFigureOut">
               <a:rPr lang="en-US" smtClean="0"/>
-              <a:t>7/26/2015</a:t>
+              <a:t>7/28/2015</a:t>
             </a:fld>
             <a:endParaRPr lang="en-US"/>
           </a:p>
@@ -1243,7 +1246,7 @@
           <a:p>
             <a:fld id="{0D66A20C-8EC0-414D-8F03-C158C942387B}" type="datetimeFigureOut">
               <a:rPr lang="en-US" smtClean="0"/>
-              <a:t>7/26/2015</a:t>
+              <a:t>7/28/2015</a:t>
             </a:fld>
             <a:endParaRPr lang="en-US"/>
           </a:p>
@@ -1610,7 +1613,7 @@
           <a:p>
             <a:fld id="{0D66A20C-8EC0-414D-8F03-C158C942387B}" type="datetimeFigureOut">
               <a:rPr lang="en-US" smtClean="0"/>
-              <a:t>7/26/2015</a:t>
+              <a:t>7/28/2015</a:t>
             </a:fld>
             <a:endParaRPr lang="en-US"/>
           </a:p>
@@ -1728,7 +1731,7 @@
           <a:p>
             <a:fld id="{0D66A20C-8EC0-414D-8F03-C158C942387B}" type="datetimeFigureOut">
               <a:rPr lang="en-US" smtClean="0"/>
-              <a:t>7/26/2015</a:t>
+              <a:t>7/28/2015</a:t>
             </a:fld>
             <a:endParaRPr lang="en-US"/>
           </a:p>
@@ -1823,7 +1826,7 @@
           <a:p>
             <a:fld id="{0D66A20C-8EC0-414D-8F03-C158C942387B}" type="datetimeFigureOut">
               <a:rPr lang="en-US" smtClean="0"/>
-              <a:t>7/26/2015</a:t>
+              <a:t>7/28/2015</a:t>
             </a:fld>
             <a:endParaRPr lang="en-US"/>
           </a:p>
@@ -2100,7 +2103,7 @@
           <a:p>
             <a:fld id="{0D66A20C-8EC0-414D-8F03-C158C942387B}" type="datetimeFigureOut">
               <a:rPr lang="en-US" smtClean="0"/>
-              <a:t>7/26/2015</a:t>
+              <a:t>7/28/2015</a:t>
             </a:fld>
             <a:endParaRPr lang="en-US"/>
           </a:p>
@@ -2353,7 +2356,7 @@
           <a:p>
             <a:fld id="{0D66A20C-8EC0-414D-8F03-C158C942387B}" type="datetimeFigureOut">
               <a:rPr lang="en-US" smtClean="0"/>
-              <a:t>7/26/2015</a:t>
+              <a:t>7/28/2015</a:t>
             </a:fld>
             <a:endParaRPr lang="en-US"/>
           </a:p>
@@ -2566,7 +2569,7 @@
           <a:p>
             <a:fld id="{0D66A20C-8EC0-414D-8F03-C158C942387B}" type="datetimeFigureOut">
               <a:rPr lang="en-US" smtClean="0"/>
-              <a:t>7/26/2015</a:t>
+              <a:t>7/28/2015</a:t>
             </a:fld>
             <a:endParaRPr lang="en-US"/>
           </a:p>
@@ -3101,8 +3104,8 @@
           <a:chExt cx="0" cy="0"/>
         </a:xfrm>
       </p:grpSpPr>
-      <mc:AlternateContent xmlns:mc="http://schemas.openxmlformats.org/markup-compatibility/2006">
-        <mc:Choice xmlns:a14="http://schemas.microsoft.com/office/drawing/2010/main" Requires="a14">
+      <mc:AlternateContent xmlns:mc="http://schemas.openxmlformats.org/markup-compatibility/2006" xmlns:a14="http://schemas.microsoft.com/office/drawing/2010/main">
+        <mc:Choice Requires="a14">
           <p:sp>
             <p:nvSpPr>
               <p:cNvPr id="4" name="Oval 3"/>
@@ -3201,7 +3204,7 @@
             </p:txBody>
           </p:sp>
         </mc:Choice>
-        <mc:Fallback>
+        <mc:Fallback xmlns="">
           <p:sp>
             <p:nvSpPr>
               <p:cNvPr id="4" name="Oval 3"/>
@@ -3741,8 +3744,8 @@
           </p:sp>
         </mc:Fallback>
       </mc:AlternateContent>
-      <mc:AlternateContent xmlns:mc="http://schemas.openxmlformats.org/markup-compatibility/2006">
-        <mc:Choice xmlns:a14="http://schemas.microsoft.com/office/drawing/2010/main" Requires="a14">
+      <mc:AlternateContent xmlns:mc="http://schemas.openxmlformats.org/markup-compatibility/2006" xmlns:a14="http://schemas.microsoft.com/office/drawing/2010/main">
+        <mc:Choice Requires="a14">
           <p:sp>
             <p:nvSpPr>
               <p:cNvPr id="11" name="Oval 10"/>
@@ -3851,7 +3854,7 @@
             </p:txBody>
           </p:sp>
         </mc:Choice>
-        <mc:Fallback>
+        <mc:Fallback xmlns="">
           <p:sp>
             <p:nvSpPr>
               <p:cNvPr id="11" name="Oval 10"/>
@@ -3895,8 +3898,8 @@
           </p:sp>
         </mc:Fallback>
       </mc:AlternateContent>
-      <mc:AlternateContent xmlns:mc="http://schemas.openxmlformats.org/markup-compatibility/2006">
-        <mc:Choice xmlns:a14="http://schemas.microsoft.com/office/drawing/2010/main" Requires="a14">
+      <mc:AlternateContent xmlns:mc="http://schemas.openxmlformats.org/markup-compatibility/2006" xmlns:a14="http://schemas.microsoft.com/office/drawing/2010/main">
+        <mc:Choice Requires="a14">
           <p:sp>
             <p:nvSpPr>
               <p:cNvPr id="12" name="Oval 11"/>
@@ -4005,7 +4008,7 @@
             </p:txBody>
           </p:sp>
         </mc:Choice>
-        <mc:Fallback>
+        <mc:Fallback xmlns="">
           <p:sp>
             <p:nvSpPr>
               <p:cNvPr id="12" name="Oval 11"/>
@@ -4049,8 +4052,8 @@
           </p:sp>
         </mc:Fallback>
       </mc:AlternateContent>
-      <mc:AlternateContent xmlns:mc="http://schemas.openxmlformats.org/markup-compatibility/2006">
-        <mc:Choice xmlns:a14="http://schemas.microsoft.com/office/drawing/2010/main" Requires="a14">
+      <mc:AlternateContent xmlns:mc="http://schemas.openxmlformats.org/markup-compatibility/2006" xmlns:a14="http://schemas.microsoft.com/office/drawing/2010/main">
+        <mc:Choice Requires="a14">
           <p:sp>
             <p:nvSpPr>
               <p:cNvPr id="13" name="TextBox 12"/>
@@ -4137,7 +4140,7 @@
             </p:txBody>
           </p:sp>
         </mc:Choice>
-        <mc:Fallback>
+        <mc:Fallback xmlns="">
           <p:sp>
             <p:nvSpPr>
               <p:cNvPr id="13" name="TextBox 12"/>
@@ -4176,8 +4179,8 @@
           </p:sp>
         </mc:Fallback>
       </mc:AlternateContent>
-      <mc:AlternateContent xmlns:mc="http://schemas.openxmlformats.org/markup-compatibility/2006">
-        <mc:Choice xmlns:a14="http://schemas.microsoft.com/office/drawing/2010/main" Requires="a14">
+      <mc:AlternateContent xmlns:mc="http://schemas.openxmlformats.org/markup-compatibility/2006" xmlns:a14="http://schemas.microsoft.com/office/drawing/2010/main">
+        <mc:Choice Requires="a14">
           <p:sp>
             <p:nvSpPr>
               <p:cNvPr id="14" name="TextBox 13"/>
@@ -4264,7 +4267,7 @@
             </p:txBody>
           </p:sp>
         </mc:Choice>
-        <mc:Fallback>
+        <mc:Fallback xmlns="">
           <p:sp>
             <p:nvSpPr>
               <p:cNvPr id="14" name="TextBox 13"/>
@@ -5098,8 +5101,8 @@
           </a:fontRef>
         </p:style>
       </p:cxnSp>
-      <mc:AlternateContent xmlns:mc="http://schemas.openxmlformats.org/markup-compatibility/2006">
-        <mc:Choice xmlns:a14="http://schemas.microsoft.com/office/drawing/2010/main" Requires="a14">
+      <mc:AlternateContent xmlns:mc="http://schemas.openxmlformats.org/markup-compatibility/2006" xmlns:a14="http://schemas.microsoft.com/office/drawing/2010/main">
+        <mc:Choice Requires="a14">
           <p:sp>
             <p:nvSpPr>
               <p:cNvPr id="43" name="Rectangle 42"/>
@@ -5180,12 +5183,11 @@
                   <a:rPr lang="en-US" sz="1100" dirty="0"/>
                   <a:t>1</a:t>
                 </a:r>
-                <a:endParaRPr lang="en-US" sz="1100" dirty="0"/>
               </a:p>
             </p:txBody>
           </p:sp>
         </mc:Choice>
-        <mc:Fallback>
+        <mc:Fallback xmlns="">
           <p:sp>
             <p:nvSpPr>
               <p:cNvPr id="43" name="Rectangle 42"/>
@@ -5229,8 +5231,8 @@
           </p:sp>
         </mc:Fallback>
       </mc:AlternateContent>
-      <mc:AlternateContent xmlns:mc="http://schemas.openxmlformats.org/markup-compatibility/2006">
-        <mc:Choice xmlns:a14="http://schemas.microsoft.com/office/drawing/2010/main" Requires="a14">
+      <mc:AlternateContent xmlns:mc="http://schemas.openxmlformats.org/markup-compatibility/2006" xmlns:a14="http://schemas.microsoft.com/office/drawing/2010/main">
+        <mc:Choice Requires="a14">
           <p:sp>
             <p:nvSpPr>
               <p:cNvPr id="48" name="Rectangle 47"/>
@@ -5312,7 +5314,7 @@
             </p:txBody>
           </p:sp>
         </mc:Choice>
-        <mc:Fallback>
+        <mc:Fallback xmlns="">
           <p:sp>
             <p:nvSpPr>
               <p:cNvPr id="48" name="Rectangle 47"/>
@@ -8522,6 +8524,303 @@
       </p:par>
     </p:tnLst>
   </p:timing>
+</p:sld>
+</file>
+
+<file path=ppt/slides/slide4.xml><?xml version="1.0" encoding="utf-8"?>
+<p:sld xmlns:a="http://schemas.openxmlformats.org/drawingml/2006/main" xmlns:r="http://schemas.openxmlformats.org/officeDocument/2006/relationships" xmlns:p="http://schemas.openxmlformats.org/presentationml/2006/main">
+  <p:cSld>
+    <p:spTree>
+      <p:nvGrpSpPr>
+        <p:cNvPr id="1" name=""/>
+        <p:cNvGrpSpPr/>
+        <p:nvPr/>
+      </p:nvGrpSpPr>
+      <p:grpSpPr>
+        <a:xfrm>
+          <a:off x="0" y="0"/>
+          <a:ext cx="0" cy="0"/>
+          <a:chOff x="0" y="0"/>
+          <a:chExt cx="0" cy="0"/>
+        </a:xfrm>
+      </p:grpSpPr>
+      <p:sp>
+        <p:nvSpPr>
+          <p:cNvPr id="2" name="Title 1"/>
+          <p:cNvSpPr>
+            <a:spLocks noGrp="1"/>
+          </p:cNvSpPr>
+          <p:nvPr>
+            <p:ph type="title"/>
+          </p:nvPr>
+        </p:nvSpPr>
+        <p:spPr/>
+        <p:txBody>
+          <a:bodyPr/>
+          <a:lstStyle/>
+          <a:p>
+            <a:endParaRPr lang="en-US"/>
+          </a:p>
+        </p:txBody>
+      </p:sp>
+      <p:pic>
+        <p:nvPicPr>
+          <p:cNvPr id="4" name="Content Placeholder 3"/>
+          <p:cNvPicPr>
+            <a:picLocks noGrp="1" noChangeAspect="1"/>
+          </p:cNvPicPr>
+          <p:nvPr>
+            <p:ph idx="1"/>
+          </p:nvPr>
+        </p:nvPicPr>
+        <p:blipFill rotWithShape="1">
+          <a:blip r:embed="rId2">
+            <a:extLst>
+              <a:ext uri="{28A0092B-C50C-407E-A947-70E740481C1C}">
+                <a14:useLocalDpi xmlns:a14="http://schemas.microsoft.com/office/drawing/2010/main" val="0"/>
+              </a:ext>
+            </a:extLst>
+          </a:blip>
+          <a:srcRect l="8687" t="4837" r="8654" b="11098"/>
+          <a:stretch/>
+        </p:blipFill>
+        <p:spPr>
+          <a:xfrm>
+            <a:off x="1253447" y="2563401"/>
+            <a:ext cx="8691937" cy="3642189"/>
+          </a:xfrm>
+        </p:spPr>
+      </p:pic>
+    </p:spTree>
+    <p:extLst>
+      <p:ext uri="{BB962C8B-B14F-4D97-AF65-F5344CB8AC3E}">
+        <p14:creationId xmlns:p14="http://schemas.microsoft.com/office/powerpoint/2010/main" val="2378874166"/>
+      </p:ext>
+    </p:extLst>
+  </p:cSld>
+  <p:clrMapOvr>
+    <a:masterClrMapping/>
+  </p:clrMapOvr>
+</p:sld>
+</file>
+
+<file path=ppt/slides/slide5.xml><?xml version="1.0" encoding="utf-8"?>
+<p:sld xmlns:a="http://schemas.openxmlformats.org/drawingml/2006/main" xmlns:r="http://schemas.openxmlformats.org/officeDocument/2006/relationships" xmlns:p="http://schemas.openxmlformats.org/presentationml/2006/main">
+  <p:cSld>
+    <p:spTree>
+      <p:nvGrpSpPr>
+        <p:cNvPr id="1" name=""/>
+        <p:cNvGrpSpPr/>
+        <p:nvPr/>
+      </p:nvGrpSpPr>
+      <p:grpSpPr>
+        <a:xfrm>
+          <a:off x="0" y="0"/>
+          <a:ext cx="0" cy="0"/>
+          <a:chOff x="0" y="0"/>
+          <a:chExt cx="0" cy="0"/>
+        </a:xfrm>
+      </p:grpSpPr>
+      <p:sp>
+        <p:nvSpPr>
+          <p:cNvPr id="2" name="Title 1"/>
+          <p:cNvSpPr>
+            <a:spLocks noGrp="1"/>
+          </p:cNvSpPr>
+          <p:nvPr>
+            <p:ph type="title"/>
+          </p:nvPr>
+        </p:nvSpPr>
+        <p:spPr/>
+        <p:txBody>
+          <a:bodyPr/>
+          <a:lstStyle/>
+          <a:p>
+            <a:endParaRPr lang="en-US" dirty="0"/>
+          </a:p>
+        </p:txBody>
+      </p:sp>
+      <p:pic>
+        <p:nvPicPr>
+          <p:cNvPr id="4" name="Content Placeholder 3"/>
+          <p:cNvPicPr>
+            <a:picLocks noGrp="1" noChangeAspect="1"/>
+          </p:cNvPicPr>
+          <p:nvPr>
+            <p:ph idx="1"/>
+          </p:nvPr>
+        </p:nvPicPr>
+        <p:blipFill rotWithShape="1">
+          <a:blip r:embed="rId2" cstate="print">
+            <a:extLst>
+              <a:ext uri="{28A0092B-C50C-407E-A947-70E740481C1C}">
+                <a14:useLocalDpi xmlns:a14="http://schemas.microsoft.com/office/drawing/2010/main" val="0"/>
+              </a:ext>
+            </a:extLst>
+          </a:blip>
+          <a:srcRect r="22172"/>
+          <a:stretch/>
+        </p:blipFill>
+        <p:spPr>
+          <a:xfrm>
+            <a:off x="893413" y="1690688"/>
+            <a:ext cx="5507387" cy="4351338"/>
+          </a:xfrm>
+        </p:spPr>
+      </p:pic>
+      <p:pic>
+        <p:nvPicPr>
+          <p:cNvPr id="5" name="Content Placeholder 3"/>
+          <p:cNvPicPr>
+            <a:picLocks noChangeAspect="1"/>
+          </p:cNvPicPr>
+          <p:nvPr/>
+        </p:nvPicPr>
+        <p:blipFill rotWithShape="1">
+          <a:blip r:embed="rId2" cstate="print">
+            <a:extLst>
+              <a:ext uri="{28A0092B-C50C-407E-A947-70E740481C1C}">
+                <a14:useLocalDpi xmlns:a14="http://schemas.microsoft.com/office/drawing/2010/main" val="0"/>
+              </a:ext>
+            </a:extLst>
+          </a:blip>
+          <a:srcRect l="79957" t="3418" r="514" b="77575"/>
+          <a:stretch/>
+        </p:blipFill>
+        <p:spPr>
+          <a:xfrm>
+            <a:off x="4316704" y="1855075"/>
+            <a:ext cx="1149147" cy="687779"/>
+          </a:xfrm>
+          <a:prstGeom prst="rect">
+            <a:avLst/>
+          </a:prstGeom>
+        </p:spPr>
+      </p:pic>
+    </p:spTree>
+    <p:extLst>
+      <p:ext uri="{BB962C8B-B14F-4D97-AF65-F5344CB8AC3E}">
+        <p14:creationId xmlns:p14="http://schemas.microsoft.com/office/powerpoint/2010/main" val="1396853556"/>
+      </p:ext>
+    </p:extLst>
+  </p:cSld>
+  <p:clrMapOvr>
+    <a:masterClrMapping/>
+  </p:clrMapOvr>
+</p:sld>
+</file>
+
+<file path=ppt/slides/slide6.xml><?xml version="1.0" encoding="utf-8"?>
+<p:sld xmlns:a="http://schemas.openxmlformats.org/drawingml/2006/main" xmlns:r="http://schemas.openxmlformats.org/officeDocument/2006/relationships" xmlns:p="http://schemas.openxmlformats.org/presentationml/2006/main">
+  <p:cSld>
+    <p:spTree>
+      <p:nvGrpSpPr>
+        <p:cNvPr id="1" name=""/>
+        <p:cNvGrpSpPr/>
+        <p:nvPr/>
+      </p:nvGrpSpPr>
+      <p:grpSpPr>
+        <a:xfrm>
+          <a:off x="0" y="0"/>
+          <a:ext cx="0" cy="0"/>
+          <a:chOff x="0" y="0"/>
+          <a:chExt cx="0" cy="0"/>
+        </a:xfrm>
+      </p:grpSpPr>
+      <p:sp>
+        <p:nvSpPr>
+          <p:cNvPr id="2" name="Title 1"/>
+          <p:cNvSpPr>
+            <a:spLocks noGrp="1"/>
+          </p:cNvSpPr>
+          <p:nvPr>
+            <p:ph type="title"/>
+          </p:nvPr>
+        </p:nvSpPr>
+        <p:spPr/>
+        <p:txBody>
+          <a:bodyPr/>
+          <a:lstStyle/>
+          <a:p>
+            <a:endParaRPr lang="en-US"/>
+          </a:p>
+        </p:txBody>
+      </p:sp>
+      <p:pic>
+        <p:nvPicPr>
+          <p:cNvPr id="4" name="Content Placeholder 3"/>
+          <p:cNvPicPr>
+            <a:picLocks noGrp="1" noChangeAspect="1"/>
+          </p:cNvPicPr>
+          <p:nvPr>
+            <p:ph idx="1"/>
+          </p:nvPr>
+        </p:nvPicPr>
+        <p:blipFill>
+          <a:blip r:embed="rId2">
+            <a:extLst>
+              <a:ext uri="{28A0092B-C50C-407E-A947-70E740481C1C}">
+                <a14:useLocalDpi xmlns:a14="http://schemas.microsoft.com/office/drawing/2010/main" val="0"/>
+              </a:ext>
+            </a:extLst>
+          </a:blip>
+          <a:stretch>
+            <a:fillRect/>
+          </a:stretch>
+        </p:blipFill>
+        <p:spPr>
+          <a:xfrm>
+            <a:off x="933897" y="1190125"/>
+            <a:ext cx="4580952" cy="4142857"/>
+          </a:xfrm>
+        </p:spPr>
+      </p:pic>
+      <p:cxnSp>
+        <p:nvCxnSpPr>
+          <p:cNvPr id="6" name="Straight Connector 5"/>
+          <p:cNvCxnSpPr/>
+          <p:nvPr/>
+        </p:nvCxnSpPr>
+        <p:spPr>
+          <a:xfrm flipV="1">
+            <a:off x="2537717" y="1741470"/>
+            <a:ext cx="2527443" cy="2142163"/>
+          </a:xfrm>
+          <a:prstGeom prst="line">
+            <a:avLst/>
+          </a:prstGeom>
+          <a:ln w="12700">
+            <a:solidFill>
+              <a:srgbClr val="000000"/>
+            </a:solidFill>
+            <a:prstDash val="dash"/>
+          </a:ln>
+        </p:spPr>
+        <p:style>
+          <a:lnRef idx="1">
+            <a:schemeClr val="accent1"/>
+          </a:lnRef>
+          <a:fillRef idx="0">
+            <a:schemeClr val="accent1"/>
+          </a:fillRef>
+          <a:effectRef idx="0">
+            <a:schemeClr val="accent1"/>
+          </a:effectRef>
+          <a:fontRef idx="minor">
+            <a:schemeClr val="tx1"/>
+          </a:fontRef>
+        </p:style>
+      </p:cxnSp>
+    </p:spTree>
+    <p:extLst>
+      <p:ext uri="{BB962C8B-B14F-4D97-AF65-F5344CB8AC3E}">
+        <p14:creationId xmlns:p14="http://schemas.microsoft.com/office/powerpoint/2010/main" val="1342328765"/>
+      </p:ext>
+    </p:extLst>
+  </p:cSld>
+  <p:clrMapOvr>
+    <a:masterClrMapping/>
+  </p:clrMapOvr>
 </p:sld>
 </file>
 
